--- a/05.First Law of Thermodynamics.pptx
+++ b/05.First Law of Thermodynamics.pptx
@@ -9917,7 +9917,7 @@
         </p:nvSpPr>
         <p:spPr>
           <a:xfrm>
-            <a:off x="3908998" y="4575722"/>
+            <a:off x="3908998" y="5257800"/>
             <a:ext cx="1326004" cy="369332"/>
           </a:xfrm>
           <a:prstGeom prst="rect">
@@ -9954,6 +9954,380 @@
           </a:p>
         </p:txBody>
       </p:sp>
+      <mc:AlternateContent xmlns:mc="http://schemas.openxmlformats.org/markup-compatibility/2006">
+        <mc:Choice xmlns:a14="http://schemas.microsoft.com/office/drawing/2010/main" Requires="a14">
+          <p:sp>
+            <p:nvSpPr>
+              <p:cNvPr id="3" name="TextBox 2">
+                <a:extLst>
+                  <a:ext uri="{FF2B5EF4-FFF2-40B4-BE49-F238E27FC236}">
+                    <a16:creationId xmlns:a16="http://schemas.microsoft.com/office/drawing/2014/main" id="{62D50450-7BD0-4BCE-98D4-4A05ACACC9AB}"/>
+                  </a:ext>
+                </a:extLst>
+              </p:cNvPr>
+              <p:cNvSpPr txBox="1"/>
+              <p:nvPr/>
+            </p:nvSpPr>
+            <p:spPr>
+              <a:xfrm>
+                <a:off x="2454752" y="3900101"/>
+                <a:ext cx="1092479" cy="276999"/>
+              </a:xfrm>
+              <a:prstGeom prst="rect">
+                <a:avLst/>
+              </a:prstGeom>
+              <a:noFill/>
+            </p:spPr>
+            <p:txBody>
+              <a:bodyPr wrap="none" lIns="0" tIns="0" rIns="0" bIns="0" rtlCol="0">
+                <a:spAutoFit/>
+              </a:bodyPr>
+              <a:lstStyle/>
+              <a:p>
+                <a14:m>
+                  <m:oMathPara xmlns:m="http://schemas.openxmlformats.org/officeDocument/2006/math">
+                    <m:oMathParaPr>
+                      <m:jc m:val="centerGroup"/>
+                    </m:oMathParaPr>
+                    <m:oMath xmlns:m="http://schemas.openxmlformats.org/officeDocument/2006/math">
+                      <m:r>
+                        <a:rPr lang="en-US" b="0" i="1" smtClean="0">
+                          <a:latin typeface="Cambria Math" panose="02040503050406030204" pitchFamily="18" charset="0"/>
+                        </a:rPr>
+                        <m:t>𝑎</m:t>
+                      </m:r>
+                      <m:r>
+                        <a:rPr lang="en-US" b="0" i="1" smtClean="0">
+                          <a:latin typeface="Cambria Math" panose="02040503050406030204" pitchFamily="18" charset="0"/>
+                        </a:rPr>
+                        <m:t>=900℃</m:t>
+                      </m:r>
+                    </m:oMath>
+                  </m:oMathPara>
+                </a14:m>
+                <a:endParaRPr lang="en-US" dirty="0"/>
+              </a:p>
+            </p:txBody>
+          </p:sp>
+        </mc:Choice>
+        <mc:Fallback>
+          <p:sp>
+            <p:nvSpPr>
+              <p:cNvPr id="3" name="TextBox 2">
+                <a:extLst>
+                  <a:ext uri="{FF2B5EF4-FFF2-40B4-BE49-F238E27FC236}">
+                    <a16:creationId xmlns:a16="http://schemas.microsoft.com/office/drawing/2014/main" id="{62D50450-7BD0-4BCE-98D4-4A05ACACC9AB}"/>
+                  </a:ext>
+                </a:extLst>
+              </p:cNvPr>
+              <p:cNvSpPr txBox="1">
+                <a:spLocks noRot="1" noChangeAspect="1" noMove="1" noResize="1" noEditPoints="1" noAdjustHandles="1" noChangeArrowheads="1" noChangeShapeType="1" noTextEdit="1"/>
+              </p:cNvSpPr>
+              <p:nvPr/>
+            </p:nvSpPr>
+            <p:spPr>
+              <a:xfrm>
+                <a:off x="2454752" y="3900101"/>
+                <a:ext cx="1092479" cy="276999"/>
+              </a:xfrm>
+              <a:prstGeom prst="rect">
+                <a:avLst/>
+              </a:prstGeom>
+              <a:blipFill>
+                <a:blip r:embed="rId4"/>
+                <a:stretch>
+                  <a:fillRect l="-2235" r="-4469" b="-8889"/>
+                </a:stretch>
+              </a:blipFill>
+            </p:spPr>
+            <p:txBody>
+              <a:bodyPr/>
+              <a:lstStyle/>
+              <a:p>
+                <a:r>
+                  <a:rPr lang="en-US">
+                    <a:noFill/>
+                  </a:rPr>
+                  <a:t> </a:t>
+                </a:r>
+              </a:p>
+            </p:txBody>
+          </p:sp>
+        </mc:Fallback>
+      </mc:AlternateContent>
+      <mc:AlternateContent xmlns:mc="http://schemas.openxmlformats.org/markup-compatibility/2006">
+        <mc:Choice xmlns:a14="http://schemas.microsoft.com/office/drawing/2010/main" Requires="a14">
+          <p:sp>
+            <p:nvSpPr>
+              <p:cNvPr id="6" name="TextBox 5">
+                <a:extLst>
+                  <a:ext uri="{FF2B5EF4-FFF2-40B4-BE49-F238E27FC236}">
+                    <a16:creationId xmlns:a16="http://schemas.microsoft.com/office/drawing/2014/main" id="{85862B92-C30B-4399-AAA0-44D50050DEC7}"/>
+                  </a:ext>
+                </a:extLst>
+              </p:cNvPr>
+              <p:cNvSpPr txBox="1"/>
+              <p:nvPr/>
+            </p:nvSpPr>
+            <p:spPr>
+              <a:xfrm>
+                <a:off x="3908998" y="3779298"/>
+                <a:ext cx="1303497" cy="518604"/>
+              </a:xfrm>
+              <a:prstGeom prst="rect">
+                <a:avLst/>
+              </a:prstGeom>
+              <a:noFill/>
+            </p:spPr>
+            <p:txBody>
+              <a:bodyPr wrap="none" lIns="0" tIns="0" rIns="0" bIns="0" rtlCol="0">
+                <a:spAutoFit/>
+              </a:bodyPr>
+              <a:lstStyle/>
+              <a:p>
+                <a14:m>
+                  <m:oMathPara xmlns:m="http://schemas.openxmlformats.org/officeDocument/2006/math">
+                    <m:oMathParaPr>
+                      <m:jc m:val="centerGroup"/>
+                    </m:oMathParaPr>
+                    <m:oMath xmlns:m="http://schemas.openxmlformats.org/officeDocument/2006/math">
+                      <m:r>
+                        <a:rPr lang="en-US" b="0" i="1" smtClean="0">
+                          <a:latin typeface="Cambria Math" panose="02040503050406030204" pitchFamily="18" charset="0"/>
+                        </a:rPr>
+                        <m:t>𝑏</m:t>
+                      </m:r>
+                      <m:r>
+                        <a:rPr lang="en-US" b="0" i="1" smtClean="0">
+                          <a:latin typeface="Cambria Math" panose="02040503050406030204" pitchFamily="18" charset="0"/>
+                        </a:rPr>
+                        <m:t>=−300</m:t>
+                      </m:r>
+                      <m:f>
+                        <m:fPr>
+                          <m:ctrlPr>
+                            <a:rPr lang="en-US" b="0" i="1" smtClean="0">
+                              <a:latin typeface="Cambria Math" panose="02040503050406030204" pitchFamily="18" charset="0"/>
+                            </a:rPr>
+                          </m:ctrlPr>
+                        </m:fPr>
+                        <m:num>
+                          <m:r>
+                            <a:rPr lang="en-US" b="0" i="1" smtClean="0">
+                              <a:latin typeface="Cambria Math" panose="02040503050406030204" pitchFamily="18" charset="0"/>
+                              <a:ea typeface="Cambria Math" panose="02040503050406030204" pitchFamily="18" charset="0"/>
+                            </a:rPr>
+                            <m:t>℃</m:t>
+                          </m:r>
+                        </m:num>
+                        <m:den>
+                          <m:r>
+                            <a:rPr lang="en-US" b="0" i="1" smtClean="0">
+                              <a:latin typeface="Cambria Math" panose="02040503050406030204" pitchFamily="18" charset="0"/>
+                            </a:rPr>
+                            <m:t>𝑚</m:t>
+                          </m:r>
+                        </m:den>
+                      </m:f>
+                    </m:oMath>
+                  </m:oMathPara>
+                </a14:m>
+                <a:endParaRPr lang="en-US" dirty="0"/>
+              </a:p>
+            </p:txBody>
+          </p:sp>
+        </mc:Choice>
+        <mc:Fallback>
+          <p:sp>
+            <p:nvSpPr>
+              <p:cNvPr id="6" name="TextBox 5">
+                <a:extLst>
+                  <a:ext uri="{FF2B5EF4-FFF2-40B4-BE49-F238E27FC236}">
+                    <a16:creationId xmlns:a16="http://schemas.microsoft.com/office/drawing/2014/main" id="{85862B92-C30B-4399-AAA0-44D50050DEC7}"/>
+                  </a:ext>
+                </a:extLst>
+              </p:cNvPr>
+              <p:cNvSpPr txBox="1">
+                <a:spLocks noRot="1" noChangeAspect="1" noMove="1" noResize="1" noEditPoints="1" noAdjustHandles="1" noChangeArrowheads="1" noChangeShapeType="1" noTextEdit="1"/>
+              </p:cNvSpPr>
+              <p:nvPr/>
+            </p:nvSpPr>
+            <p:spPr>
+              <a:xfrm>
+                <a:off x="3908998" y="3779298"/>
+                <a:ext cx="1303497" cy="518604"/>
+              </a:xfrm>
+              <a:prstGeom prst="rect">
+                <a:avLst/>
+              </a:prstGeom>
+              <a:blipFill>
+                <a:blip r:embed="rId5"/>
+                <a:stretch>
+                  <a:fillRect/>
+                </a:stretch>
+              </a:blipFill>
+            </p:spPr>
+            <p:txBody>
+              <a:bodyPr/>
+              <a:lstStyle/>
+              <a:p>
+                <a:r>
+                  <a:rPr lang="en-US">
+                    <a:noFill/>
+                  </a:rPr>
+                  <a:t> </a:t>
+                </a:r>
+              </a:p>
+            </p:txBody>
+          </p:sp>
+        </mc:Fallback>
+      </mc:AlternateContent>
+      <mc:AlternateContent xmlns:mc="http://schemas.openxmlformats.org/markup-compatibility/2006">
+        <mc:Choice xmlns:a14="http://schemas.microsoft.com/office/drawing/2010/main" Requires="a14">
+          <p:sp>
+            <p:nvSpPr>
+              <p:cNvPr id="7" name="TextBox 6">
+                <a:extLst>
+                  <a:ext uri="{FF2B5EF4-FFF2-40B4-BE49-F238E27FC236}">
+                    <a16:creationId xmlns:a16="http://schemas.microsoft.com/office/drawing/2014/main" id="{C1F61CAE-C15C-4998-8677-2C6855487CA7}"/>
+                  </a:ext>
+                </a:extLst>
+              </p:cNvPr>
+              <p:cNvSpPr txBox="1"/>
+              <p:nvPr/>
+            </p:nvSpPr>
+            <p:spPr>
+              <a:xfrm>
+                <a:off x="5574262" y="3778401"/>
+                <a:ext cx="1251946" cy="520399"/>
+              </a:xfrm>
+              <a:prstGeom prst="rect">
+                <a:avLst/>
+              </a:prstGeom>
+              <a:noFill/>
+            </p:spPr>
+            <p:txBody>
+              <a:bodyPr wrap="none" lIns="0" tIns="0" rIns="0" bIns="0" rtlCol="0">
+                <a:spAutoFit/>
+              </a:bodyPr>
+              <a:lstStyle/>
+              <a:p>
+                <a14:m>
+                  <m:oMathPara xmlns:m="http://schemas.openxmlformats.org/officeDocument/2006/math">
+                    <m:oMathParaPr>
+                      <m:jc m:val="centerGroup"/>
+                    </m:oMathParaPr>
+                    <m:oMath xmlns:m="http://schemas.openxmlformats.org/officeDocument/2006/math">
+                      <m:r>
+                        <a:rPr lang="en-US" b="0" i="1" smtClean="0">
+                          <a:latin typeface="Cambria Math" panose="02040503050406030204" pitchFamily="18" charset="0"/>
+                        </a:rPr>
+                        <m:t>𝑐</m:t>
+                      </m:r>
+                      <m:r>
+                        <a:rPr lang="en-US" b="0" i="1" smtClean="0">
+                          <a:latin typeface="Cambria Math" panose="02040503050406030204" pitchFamily="18" charset="0"/>
+                        </a:rPr>
+                        <m:t>=−50</m:t>
+                      </m:r>
+                      <m:f>
+                        <m:fPr>
+                          <m:ctrlPr>
+                            <a:rPr lang="en-US" b="0" i="1" smtClean="0">
+                              <a:latin typeface="Cambria Math" panose="02040503050406030204" pitchFamily="18" charset="0"/>
+                            </a:rPr>
+                          </m:ctrlPr>
+                        </m:fPr>
+                        <m:num>
+                          <m:r>
+                            <a:rPr lang="en-US" b="0" i="1" smtClean="0">
+                              <a:latin typeface="Cambria Math" panose="02040503050406030204" pitchFamily="18" charset="0"/>
+                              <a:ea typeface="Cambria Math" panose="02040503050406030204" pitchFamily="18" charset="0"/>
+                            </a:rPr>
+                            <m:t>℃</m:t>
+                          </m:r>
+                        </m:num>
+                        <m:den>
+                          <m:sSup>
+                            <m:sSupPr>
+                              <m:ctrlPr>
+                                <a:rPr lang="en-US" b="0" i="1" smtClean="0">
+                                  <a:latin typeface="Cambria Math" panose="02040503050406030204" pitchFamily="18" charset="0"/>
+                                </a:rPr>
+                              </m:ctrlPr>
+                            </m:sSupPr>
+                            <m:e>
+                              <m:r>
+                                <a:rPr lang="en-US" b="0" i="1" smtClean="0">
+                                  <a:latin typeface="Cambria Math" panose="02040503050406030204" pitchFamily="18" charset="0"/>
+                                </a:rPr>
+                                <m:t>𝑚</m:t>
+                              </m:r>
+                            </m:e>
+                            <m:sup>
+                              <m:r>
+                                <a:rPr lang="en-US" b="0" i="1" smtClean="0">
+                                  <a:latin typeface="Cambria Math" panose="02040503050406030204" pitchFamily="18" charset="0"/>
+                                </a:rPr>
+                                <m:t>2</m:t>
+                              </m:r>
+                            </m:sup>
+                          </m:sSup>
+                        </m:den>
+                      </m:f>
+                    </m:oMath>
+                  </m:oMathPara>
+                </a14:m>
+                <a:endParaRPr lang="en-US" dirty="0"/>
+              </a:p>
+            </p:txBody>
+          </p:sp>
+        </mc:Choice>
+        <mc:Fallback>
+          <p:sp>
+            <p:nvSpPr>
+              <p:cNvPr id="7" name="TextBox 6">
+                <a:extLst>
+                  <a:ext uri="{FF2B5EF4-FFF2-40B4-BE49-F238E27FC236}">
+                    <a16:creationId xmlns:a16="http://schemas.microsoft.com/office/drawing/2014/main" id="{C1F61CAE-C15C-4998-8677-2C6855487CA7}"/>
+                  </a:ext>
+                </a:extLst>
+              </p:cNvPr>
+              <p:cNvSpPr txBox="1">
+                <a:spLocks noRot="1" noChangeAspect="1" noMove="1" noResize="1" noEditPoints="1" noAdjustHandles="1" noChangeArrowheads="1" noChangeShapeType="1" noTextEdit="1"/>
+              </p:cNvSpPr>
+              <p:nvPr/>
+            </p:nvSpPr>
+            <p:spPr>
+              <a:xfrm>
+                <a:off x="5574262" y="3778401"/>
+                <a:ext cx="1251946" cy="520399"/>
+              </a:xfrm>
+              <a:prstGeom prst="rect">
+                <a:avLst/>
+              </a:prstGeom>
+              <a:blipFill>
+                <a:blip r:embed="rId6"/>
+                <a:stretch>
+                  <a:fillRect/>
+                </a:stretch>
+              </a:blipFill>
+            </p:spPr>
+            <p:txBody>
+              <a:bodyPr/>
+              <a:lstStyle/>
+              <a:p>
+                <a:r>
+                  <a:rPr lang="en-US">
+                    <a:noFill/>
+                  </a:rPr>
+                  <a:t> </a:t>
+                </a:r>
+              </a:p>
+            </p:txBody>
+          </p:sp>
+        </mc:Fallback>
+      </mc:AlternateContent>
     </p:spTree>
     <p:extLst>
       <p:ext uri="{BB962C8B-B14F-4D97-AF65-F5344CB8AC3E}">

--- a/05.First Law of Thermodynamics.pptx
+++ b/05.First Law of Thermodynamics.pptx
@@ -4029,7 +4029,7 @@
           <a:p>
             <a:pPr algn="ctr" eaLnBrk="1" hangingPunct="1"/>
             <a:r>
-              <a:rPr lang="en-US" sz="2800" dirty="0">
+              <a:rPr lang="en-US" sz="2800" b="1" dirty="0">
                 <a:solidFill>
                   <a:srgbClr val="C00000"/>
                 </a:solidFill>
@@ -4040,7 +4040,7 @@
               <a:rPr lang="en-US" b="0" dirty="0"/>
             </a:br>
             <a:r>
-              <a:rPr lang="en-US" sz="3200" dirty="0">
+              <a:rPr lang="en-US" sz="3200" b="1" dirty="0">
                 <a:solidFill>
                   <a:srgbClr val="0000FF"/>
                 </a:solidFill>
@@ -9954,8 +9954,8 @@
           </a:p>
         </p:txBody>
       </p:sp>
-      <mc:AlternateContent xmlns:mc="http://schemas.openxmlformats.org/markup-compatibility/2006">
-        <mc:Choice xmlns:a14="http://schemas.microsoft.com/office/drawing/2010/main" Requires="a14">
+      <mc:AlternateContent xmlns:mc="http://schemas.openxmlformats.org/markup-compatibility/2006" xmlns:a14="http://schemas.microsoft.com/office/drawing/2010/main">
+        <mc:Choice Requires="a14">
           <p:sp>
             <p:nvSpPr>
               <p:cNvPr id="3" name="TextBox 2">
@@ -9984,6 +9984,7 @@
               </a:bodyPr>
               <a:lstStyle/>
               <a:p>
+                <a:pPr/>
                 <a14:m>
                   <m:oMathPara xmlns:m="http://schemas.openxmlformats.org/officeDocument/2006/math">
                     <m:oMathParaPr>
@@ -10010,7 +10011,7 @@
             </p:txBody>
           </p:sp>
         </mc:Choice>
-        <mc:Fallback>
+        <mc:Fallback xmlns="">
           <p:sp>
             <p:nvSpPr>
               <p:cNvPr id="3" name="TextBox 2">
@@ -10055,8 +10056,8 @@
           </p:sp>
         </mc:Fallback>
       </mc:AlternateContent>
-      <mc:AlternateContent xmlns:mc="http://schemas.openxmlformats.org/markup-compatibility/2006">
-        <mc:Choice xmlns:a14="http://schemas.microsoft.com/office/drawing/2010/main" Requires="a14">
+      <mc:AlternateContent xmlns:mc="http://schemas.openxmlformats.org/markup-compatibility/2006" xmlns:a14="http://schemas.microsoft.com/office/drawing/2010/main">
+        <mc:Choice Requires="a14">
           <p:sp>
             <p:nvSpPr>
               <p:cNvPr id="6" name="TextBox 5">
@@ -10085,6 +10086,7 @@
               </a:bodyPr>
               <a:lstStyle/>
               <a:p>
+                <a:pPr/>
                 <a14:m>
                   <m:oMathPara xmlns:m="http://schemas.openxmlformats.org/officeDocument/2006/math">
                     <m:oMathParaPr>
@@ -10137,7 +10139,7 @@
             </p:txBody>
           </p:sp>
         </mc:Choice>
-        <mc:Fallback>
+        <mc:Fallback xmlns="">
           <p:sp>
             <p:nvSpPr>
               <p:cNvPr id="6" name="TextBox 5">
@@ -10182,8 +10184,8 @@
           </p:sp>
         </mc:Fallback>
       </mc:AlternateContent>
-      <mc:AlternateContent xmlns:mc="http://schemas.openxmlformats.org/markup-compatibility/2006">
-        <mc:Choice xmlns:a14="http://schemas.microsoft.com/office/drawing/2010/main" Requires="a14">
+      <mc:AlternateContent xmlns:mc="http://schemas.openxmlformats.org/markup-compatibility/2006" xmlns:a14="http://schemas.microsoft.com/office/drawing/2010/main">
+        <mc:Choice Requires="a14">
           <p:sp>
             <p:nvSpPr>
               <p:cNvPr id="7" name="TextBox 6">
@@ -10212,6 +10214,7 @@
               </a:bodyPr>
               <a:lstStyle/>
               <a:p>
+                <a:pPr/>
                 <a14:m>
                   <m:oMathPara xmlns:m="http://schemas.openxmlformats.org/officeDocument/2006/math">
                     <m:oMathParaPr>
@@ -10283,7 +10286,7 @@
             </p:txBody>
           </p:sp>
         </mc:Choice>
-        <mc:Fallback>
+        <mc:Fallback xmlns="">
           <p:sp>
             <p:nvSpPr>
               <p:cNvPr id="7" name="TextBox 6">
